--- a/lectures3/Pythonlearn-03-Conditional-PL.pptx
+++ b/lectures3/Pythonlearn-03-Conditional-PL.pptx
@@ -5768,7 +5768,7 @@
               <a:buNone/>
             </a:pPr>
             <a:r>
-              <a:rPr lang="pl" sz="7600" b="0" i="0" u="none" strike="noStrike" cap="none" baseline="0">
+              <a:rPr lang="pl" sz="7600" b="0" i="0" u="none" strike="noStrike" cap="none" baseline="0" dirty="0">
                 <a:solidFill>
                   <a:srgbClr val="FFD966"/>
                 </a:solidFill>

--- a/lectures3/Pythonlearn-03-Conditional-PL.pptx
+++ b/lectures3/Pythonlearn-03-Conditional-PL.pptx
@@ -576,15 +576,68 @@
               <a:spcBef>
                 <a:spcPts val="0"/>
               </a:spcBef>
-              <a:buNone/>
-            </a:pPr>
-            <a:r>
-              <a:rPr lang="pl" b="0" i="0" u="none" baseline="0">
+              <a:buClr>
+                <a:schemeClr val="dk2"/>
+              </a:buClr>
+              <a:buSzPct val="78571"/>
+              <a:buFont typeface="Arial"/>
+              <a:buNone/>
+            </a:pPr>
+            <a:r>
+              <a:rPr lang="pl" b="0" i="0" u="none" baseline="0" dirty="0">
                 <a:solidFill>
                   <a:schemeClr val="dk2"/>
                 </a:solidFill>
               </a:rPr>
-              <a:t>Notka od Chucka  Używając tych materiałów masz prawo usunąć logo UM i zastąpić je własnym ale zostaw proszę logo CC-BY na pierwszej stronie oraz strony z podziękowaniami dla współtwórców.</a:t>
+              <a:t>Notka od Chucka</a:t>
+            </a:r>
+            <a:r>
+              <a:rPr lang="en-US" b="0" i="0" u="none" baseline="0" dirty="0">
+                <a:solidFill>
+                  <a:schemeClr val="dk2"/>
+                </a:solidFill>
+              </a:rPr>
+              <a:t>:</a:t>
+            </a:r>
+            <a:r>
+              <a:rPr lang="pl" b="0" i="0" u="none" baseline="0" dirty="0">
+                <a:solidFill>
+                  <a:schemeClr val="dk2"/>
+                </a:solidFill>
+              </a:rPr>
+              <a:t> </a:t>
+            </a:r>
+            <a:r>
+              <a:rPr lang="en-US" b="0" i="0" u="none" baseline="0" dirty="0" err="1">
+                <a:solidFill>
+                  <a:schemeClr val="dk2"/>
+                </a:solidFill>
+              </a:rPr>
+              <a:t>uż</a:t>
+            </a:r>
+            <a:r>
+              <a:rPr lang="pl" b="0" i="0" u="none" baseline="0" dirty="0">
+                <a:solidFill>
+                  <a:schemeClr val="dk2"/>
+                </a:solidFill>
+              </a:rPr>
+              <a:t>ywając tych materiałów masz prawo usunąć logo UM i zastąpić je własnym</a:t>
+            </a:r>
+            <a:r>
+              <a:rPr lang="en-US" b="0" i="0" u="none" baseline="0" dirty="0">
+                <a:solidFill>
+                  <a:schemeClr val="dk2"/>
+                </a:solidFill>
+              </a:rPr>
+              <a:t>,</a:t>
+            </a:r>
+            <a:r>
+              <a:rPr lang="pl" b="0" i="0" u="none" baseline="0" dirty="0">
+                <a:solidFill>
+                  <a:schemeClr val="dk2"/>
+                </a:solidFill>
+              </a:rPr>
+              <a:t> ale zostaw proszę logo CC-BY na pierwszej stronie oraz strony z podziękowaniami dla współtwórców.</a:t>
             </a:r>
             <a:endParaRPr lang="pl" dirty="0">
               <a:solidFill>
@@ -6693,7 +6746,7 @@
                 <a:cs typeface="Arial" charset="0"/>
                 <a:sym typeface="Cabin"/>
               </a:rPr>
-              <a:t>Pomyśl o początku/ końcu bloków</a:t>
+              <a:t>Pomyśl o początku/końcu bloków</a:t>
             </a:r>
           </a:p>
           <a:p>
@@ -33791,7 +33844,31 @@
                 <a:cs typeface="Arial" charset="0"/>
                 <a:sym typeface="Cabin"/>
               </a:rPr>
-              <a:t>Python *bardzo* zwraca uwagę na głębokość </a:t>
+              <a:t>Python </a:t>
+            </a:r>
+            <a:r>
+              <a:rPr lang="pl" sz="3000" b="1" i="0" u="none" strike="noStrike" cap="none" baseline="0" dirty="0">
+                <a:solidFill>
+                  <a:schemeClr val="lt1"/>
+                </a:solidFill>
+                <a:latin typeface="Arial" charset="0"/>
+                <a:ea typeface="Arial" charset="0"/>
+                <a:cs typeface="Arial" charset="0"/>
+                <a:sym typeface="Cabin"/>
+              </a:rPr>
+              <a:t>bardzo</a:t>
+            </a:r>
+            <a:r>
+              <a:rPr lang="pl" sz="3000" b="0" i="0" u="none" strike="noStrike" cap="none" baseline="0" dirty="0">
+                <a:solidFill>
+                  <a:schemeClr val="lt1"/>
+                </a:solidFill>
+                <a:latin typeface="Arial" charset="0"/>
+                <a:ea typeface="Arial" charset="0"/>
+                <a:cs typeface="Arial" charset="0"/>
+                <a:sym typeface="Cabin"/>
+              </a:rPr>
+              <a:t> zwraca uwagę na głębokość </a:t>
             </a:r>
             <a:r>
               <a:rPr lang="pl" sz="3000" b="0" i="0" u="none" strike="noStrike" cap="none" baseline="0" dirty="0">
